--- a/prezentacije/TA i Selenium osnove - class 3.pptx
+++ b/prezentacije/TA i Selenium osnove - class 3.pptx
@@ -241,7 +241,7 @@
           <a:p>
             <a:fld id="{F4985468-EA09-47E3-8036-5BF84197CAEF}" type="datetimeFigureOut">
               <a:rPr lang="en-GB" smtClean="0"/>
-              <a:t>12/10/2022</a:t>
+              <a:t>02/10/2024</a:t>
             </a:fld>
             <a:endParaRPr lang="en-GB"/>
           </a:p>
@@ -406,7 +406,7 @@
           <a:p>
             <a:fld id="{C303BD5E-F603-431C-B79D-697385AE35AF}" type="datetimeFigureOut">
               <a:rPr lang="en-GB" smtClean="0"/>
-              <a:t>12/10/2022</a:t>
+              <a:t>02/10/2024</a:t>
             </a:fld>
             <a:endParaRPr lang="en-GB"/>
           </a:p>
@@ -2461,7 +2461,7 @@
           </a:ln>
           <a:extLst>
             <a:ext uri="{C572A759-6A51-4108-AA02-DFA0A04FC94B}">
-              <ma14:wrappingTextBoxFlag xmlns="" xmlns:ma14="http://schemas.microsoft.com/office/mac/drawingml/2011/main" val="1"/>
+              <ma14:wrappingTextBoxFlag xmlns:ma14="http://schemas.microsoft.com/office/mac/drawingml/2011/main" xmlns="" val="1"/>
             </a:ext>
           </a:extLst>
         </p:spPr>
@@ -4083,7 +4083,7 @@
           </a:ln>
           <a:extLst>
             <a:ext uri="{C572A759-6A51-4108-AA02-DFA0A04FC94B}">
-              <ma14:wrappingTextBoxFlag xmlns="" xmlns:ma14="http://schemas.microsoft.com/office/mac/drawingml/2011/main" val="1"/>
+              <ma14:wrappingTextBoxFlag xmlns:ma14="http://schemas.microsoft.com/office/mac/drawingml/2011/main" xmlns="" val="1"/>
             </a:ext>
           </a:extLst>
         </p:spPr>
@@ -4729,7 +4729,7 @@
           </a:ln>
           <a:extLst>
             <a:ext uri="{C572A759-6A51-4108-AA02-DFA0A04FC94B}">
-              <ma14:wrappingTextBoxFlag xmlns="" xmlns:ma14="http://schemas.microsoft.com/office/mac/drawingml/2011/main" val="1"/>
+              <ma14:wrappingTextBoxFlag xmlns:ma14="http://schemas.microsoft.com/office/mac/drawingml/2011/main" xmlns="" val="1"/>
             </a:ext>
           </a:extLst>
         </p:spPr>
@@ -5959,7 +5959,7 @@
           </a:ln>
           <a:extLst>
             <a:ext uri="{C572A759-6A51-4108-AA02-DFA0A04FC94B}">
-              <ma14:wrappingTextBoxFlag xmlns="" xmlns:ma14="http://schemas.microsoft.com/office/mac/drawingml/2011/main" val="1"/>
+              <ma14:wrappingTextBoxFlag xmlns:ma14="http://schemas.microsoft.com/office/mac/drawingml/2011/main" xmlns="" val="1"/>
             </a:ext>
           </a:extLst>
         </p:spPr>
@@ -7274,7 +7274,7 @@
           </a:ln>
           <a:extLst>
             <a:ext uri="{C572A759-6A51-4108-AA02-DFA0A04FC94B}">
-              <ma14:wrappingTextBoxFlag xmlns="" xmlns:ma14="http://schemas.microsoft.com/office/mac/drawingml/2011/main" val="1"/>
+              <ma14:wrappingTextBoxFlag xmlns:ma14="http://schemas.microsoft.com/office/mac/drawingml/2011/main" xmlns="" val="1"/>
             </a:ext>
           </a:extLst>
         </p:spPr>
@@ -9182,7 +9182,7 @@
           </a:ln>
           <a:extLst>
             <a:ext uri="{C572A759-6A51-4108-AA02-DFA0A04FC94B}">
-              <ma14:wrappingTextBoxFlag xmlns="" xmlns:ma14="http://schemas.microsoft.com/office/mac/drawingml/2011/main" val="1"/>
+              <ma14:wrappingTextBoxFlag xmlns:ma14="http://schemas.microsoft.com/office/mac/drawingml/2011/main" xmlns="" val="1"/>
             </a:ext>
           </a:extLst>
         </p:spPr>
@@ -11894,13 +11894,14 @@
               <a:buNone/>
             </a:pPr>
             <a:r>
-              <a:rPr lang="en-US" dirty="0"/>
-              <a:t>Jelena Pete</a:t>
-            </a:r>
-            <a:r>
               <a:rPr lang="sr-Latn-RS" dirty="0"/>
-              <a:t>, endava</a:t>
-            </a:r>
+              <a:t>Boško Nikolić, </a:t>
+            </a:r>
+            <a:r>
+              <a:rPr lang="sr-Latn-RS" dirty="0" err="1"/>
+              <a:t>endava</a:t>
+            </a:r>
+            <a:endParaRPr lang="sr-Latn-RS" dirty="0"/>
           </a:p>
           <a:p>
             <a:pPr marL="0" indent="0">
@@ -11908,8 +11909,18 @@
             </a:pPr>
             <a:r>
               <a:rPr lang="sr-Latn-RS" dirty="0"/>
-              <a:t>Boško Nikolić, endava</a:t>
-            </a:r>
+              <a:t>Nemanja Todorović, </a:t>
+            </a:r>
+            <a:r>
+              <a:rPr lang="sr-Latn-RS" dirty="0" err="1"/>
+              <a:t>endava</a:t>
+            </a:r>
+            <a:endParaRPr lang="en-US" dirty="0"/>
+          </a:p>
+          <a:p>
+            <a:pPr marL="0" indent="0">
+              <a:buNone/>
+            </a:pPr>
             <a:endParaRPr lang="en-US" dirty="0"/>
           </a:p>
         </p:txBody>
@@ -12651,30 +12662,29 @@
           <a:lstStyle/>
           <a:p>
             <a:r>
+              <a:rPr lang="sr-Latn-RS" dirty="0">
+                <a:hlinkClick r:id="rId2"/>
+              </a:rPr>
+              <a:t>bosko.nikolic</a:t>
+            </a:r>
+            <a:r>
               <a:rPr lang="en-US" dirty="0">
                 <a:hlinkClick r:id="rId2"/>
               </a:rPr>
-              <a:t>jelena.pete@endava.com</a:t>
-            </a:r>
-            <a:endParaRPr lang="en-US" dirty="0"/>
-          </a:p>
-          <a:p>
-            <a:r>
-              <a:rPr lang="sr-Latn-RS" dirty="0">
-                <a:hlinkClick r:id="rId3"/>
-              </a:rPr>
-              <a:t>bosko.nikolic</a:t>
-            </a:r>
+              <a:t>@endava.com</a:t>
+            </a:r>
+            <a:endParaRPr lang="en-US" dirty="0">
+              <a:hlinkClick r:id="rId3"/>
+            </a:endParaRPr>
+          </a:p>
+          <a:p>
             <a:r>
               <a:rPr lang="en-US" dirty="0">
                 <a:hlinkClick r:id="rId3"/>
               </a:rPr>
-              <a:t>@endava.com</a:t>
-            </a:r>
-            <a:endParaRPr lang="sr-Latn-RS" dirty="0"/>
-          </a:p>
-          <a:p>
-            <a:endParaRPr lang="en-GB" dirty="0"/>
+              <a:t>nemanja.todorovic@endava.com</a:t>
+            </a:r>
+            <a:endParaRPr lang="en-US" dirty="0"/>
           </a:p>
         </p:txBody>
       </p:sp>
@@ -13872,15 +13882,7 @@
             </a:r>
             <a:r>
               <a:rPr lang="en-US" sz="2200" dirty="0"/>
-              <a:t> </a:t>
-            </a:r>
-            <a:r>
-              <a:rPr lang="en-US" sz="2200" dirty="0" err="1"/>
-              <a:t>ui</a:t>
-            </a:r>
-            <a:r>
-              <a:rPr lang="en-US" sz="2200" dirty="0"/>
-              <a:t> </a:t>
+              <a:t> UI </a:t>
             </a:r>
             <a:r>
               <a:rPr lang="en-US" sz="2200" dirty="0" err="1"/>
@@ -14766,8 +14768,16 @@
       </p:sp>
       <p:pic>
         <p:nvPicPr>
-          <p:cNvPr id="4" name="Picture 3"/>
-          <p:cNvPicPr/>
+          <p:cNvPr id="1026" name="Picture 2" descr="Selenium Grid 4 Components">
+            <a:extLst>
+              <a:ext uri="{FF2B5EF4-FFF2-40B4-BE49-F238E27FC236}">
+                <a16:creationId xmlns:a16="http://schemas.microsoft.com/office/drawing/2014/main" id="{D7986E10-A13B-99A5-3898-547AA1872473}"/>
+              </a:ext>
+            </a:extLst>
+          </p:cNvPr>
+          <p:cNvPicPr>
+            <a:picLocks noChangeAspect="1" noChangeArrowheads="1"/>
+          </p:cNvPicPr>
           <p:nvPr/>
         </p:nvPicPr>
         <p:blipFill>
@@ -14778,18 +14788,29 @@
               </a:ext>
             </a:extLst>
           </a:blip>
+          <a:srcRect/>
           <a:stretch>
             <a:fillRect/>
           </a:stretch>
         </p:blipFill>
-        <p:spPr>
+        <p:spPr bwMode="auto">
           <a:xfrm>
-            <a:off x="2196722" y="1460490"/>
-            <a:ext cx="6730852" cy="4734705"/>
+            <a:off x="1996344" y="1515801"/>
+            <a:ext cx="8014556" cy="4810069"/>
           </a:xfrm>
           <a:prstGeom prst="rect">
             <a:avLst/>
           </a:prstGeom>
+          <a:noFill/>
+          <a:extLst>
+            <a:ext uri="{909E8E84-426E-40DD-AFC4-6F175D3DCCD1}">
+              <a14:hiddenFill xmlns:a14="http://schemas.microsoft.com/office/drawing/2010/main">
+                <a:solidFill>
+                  <a:srgbClr val="FFFFFF"/>
+                </a:solidFill>
+              </a14:hiddenFill>
+            </a:ext>
+          </a:extLst>
         </p:spPr>
       </p:pic>
     </p:spTree>
@@ -15613,15 +15634,6 @@
 </file>
 
 <file path=customXml/item1.xml><?xml version="1.0" encoding="utf-8"?>
-<?mso-contentType ?>
-<FormTemplates xmlns="http://schemas.microsoft.com/sharepoint/v3/contenttype/forms">
-  <Display>DocumentLibraryForm</Display>
-  <Edit>DocumentLibraryForm</Edit>
-  <New>DocumentLibraryForm</New>
-</FormTemplates>
-</file>
-
-<file path=customXml/item2.xml><?xml version="1.0" encoding="utf-8"?>
 <ct:contentTypeSchema xmlns:ct="http://schemas.microsoft.com/office/2006/metadata/contentType" xmlns:ma="http://schemas.microsoft.com/office/2006/metadata/properties/metaAttributes" ct:_="" ma:_="" ma:contentTypeName="Document" ma:contentTypeID="0x010100CB48366BCCD67942B8674250044DBD67" ma:contentTypeVersion="10" ma:contentTypeDescription="Create a new document." ma:contentTypeScope="" ma:versionID="cd1effdc286a9e45d56ee1446a5f3f76">
   <xsd:schema xmlns:xsd="http://www.w3.org/2001/XMLSchema" xmlns:xs="http://www.w3.org/2001/XMLSchema" xmlns:p="http://schemas.microsoft.com/office/2006/metadata/properties" xmlns:ns2="e0114edf-9a72-4599-b1be-362d65013b4c" targetNamespace="http://schemas.microsoft.com/office/2006/metadata/properties" ma:root="true" ma:fieldsID="7b102bfe2b52170aa648850ab75fceb5" ns2:_="">
     <xsd:import namespace="e0114edf-9a72-4599-b1be-362d65013b4c"/>
@@ -15805,6 +15817,15 @@
 </ct:contentTypeSchema>
 </file>
 
+<file path=customXml/item2.xml><?xml version="1.0" encoding="utf-8"?>
+<?mso-contentType ?>
+<FormTemplates xmlns="http://schemas.microsoft.com/sharepoint/v3/contenttype/forms">
+  <Display>DocumentLibraryForm</Display>
+  <Edit>DocumentLibraryForm</Edit>
+  <New>DocumentLibraryForm</New>
+</FormTemplates>
+</file>
+
 <file path=customXml/item3.xml><?xml version="1.0" encoding="utf-8"?>
 <p:properties xmlns:p="http://schemas.microsoft.com/office/2006/metadata/properties" xmlns:xsi="http://www.w3.org/2001/XMLSchema-instance" xmlns:pc="http://schemas.microsoft.com/office/infopath/2007/PartnerControls">
   <documentManagement/>
@@ -15812,14 +15833,6 @@
 </file>
 
 <file path=customXml/itemProps1.xml><?xml version="1.0" encoding="utf-8"?>
-<ds:datastoreItem xmlns:ds="http://schemas.openxmlformats.org/officeDocument/2006/customXml" ds:itemID="{F42C2D96-7AE6-498C-A65A-58BFE51032EB}">
-  <ds:schemaRefs>
-    <ds:schemaRef ds:uri="http://schemas.microsoft.com/sharepoint/v3/contenttype/forms"/>
-  </ds:schemaRefs>
-</ds:datastoreItem>
-</file>
-
-<file path=customXml/itemProps2.xml><?xml version="1.0" encoding="utf-8"?>
 <ds:datastoreItem xmlns:ds="http://schemas.openxmlformats.org/officeDocument/2006/customXml" ds:itemID="{08FD0003-DC8C-42B0-8494-51E181310018}">
   <ds:schemaRefs>
     <ds:schemaRef ds:uri="e0114edf-9a72-4599-b1be-362d65013b4c"/>
@@ -15833,6 +15846,14 @@
     <ds:schemaRef ds:uri="http://schemas.microsoft.com/office/infopath/2007/PartnerControls"/>
     <ds:schemaRef ds:uri="http://schemas.openxmlformats.org/package/2006/metadata/core-properties"/>
     <ds:schemaRef ds:uri="http://www.w3.org/2001/XMLSchema"/>
+  </ds:schemaRefs>
+</ds:datastoreItem>
+</file>
+
+<file path=customXml/itemProps2.xml><?xml version="1.0" encoding="utf-8"?>
+<ds:datastoreItem xmlns:ds="http://schemas.openxmlformats.org/officeDocument/2006/customXml" ds:itemID="{F42C2D96-7AE6-498C-A65A-58BFE51032EB}">
+  <ds:schemaRefs>
+    <ds:schemaRef ds:uri="http://schemas.microsoft.com/sharepoint/v3/contenttype/forms"/>
   </ds:schemaRefs>
 </ds:datastoreItem>
 </file>
